--- a/OrderLock.pptx
+++ b/OrderLock.pptx
@@ -11,21 +11,21 @@
   <p:notesSz cx="9144000" cy="6858000"/>
   <p:embeddedFontLst>
     <p:embeddedFont>
-      <p:font typeface="Calibri" panose="020F0502020204030204" pitchFamily="34" charset="0"/>
+      <p:font typeface="微软雅黑" panose="020B0503020204020204" pitchFamily="34" charset="-122"/>
       <p:regular r:id="rId3"/>
       <p:bold r:id="rId4"/>
-      <p:italic r:id="rId5"/>
-      <p:boldItalic r:id="rId6"/>
+    </p:embeddedFont>
+    <p:embeddedFont>
+      <p:font typeface="Calibri" panose="020F0502020204030204" pitchFamily="34" charset="0"/>
+      <p:regular r:id="rId5"/>
+      <p:bold r:id="rId6"/>
+      <p:italic r:id="rId7"/>
+      <p:boldItalic r:id="rId8"/>
     </p:embeddedFont>
     <p:embeddedFont>
       <p:font typeface="Calibri Light" panose="020F0302020204030204" pitchFamily="34" charset="0"/>
-      <p:regular r:id="rId7"/>
-      <p:italic r:id="rId8"/>
-    </p:embeddedFont>
-    <p:embeddedFont>
-      <p:font typeface="微软雅黑" panose="020B0503020204020204" pitchFamily="34" charset="-122"/>
       <p:regular r:id="rId9"/>
-      <p:bold r:id="rId10"/>
+      <p:italic r:id="rId10"/>
     </p:embeddedFont>
   </p:embeddedFontLst>
   <p:defaultTextStyle>
@@ -262,7 +262,7 @@
           <a:p>
             <a:fld id="{2017B81C-A91B-4DB4-B663-7B9363F1444A}" type="datetimeFigureOut">
               <a:rPr lang="zh-CN" altLang="en-US" smtClean="0"/>
-              <a:t>2023/11/22</a:t>
+              <a:t>2023/11/29</a:t>
             </a:fld>
             <a:endParaRPr lang="zh-CN" altLang="en-US"/>
           </a:p>
@@ -432,7 +432,7 @@
           <a:p>
             <a:fld id="{2017B81C-A91B-4DB4-B663-7B9363F1444A}" type="datetimeFigureOut">
               <a:rPr lang="zh-CN" altLang="en-US" smtClean="0"/>
-              <a:t>2023/11/22</a:t>
+              <a:t>2023/11/29</a:t>
             </a:fld>
             <a:endParaRPr lang="zh-CN" altLang="en-US"/>
           </a:p>
@@ -612,7 +612,7 @@
           <a:p>
             <a:fld id="{2017B81C-A91B-4DB4-B663-7B9363F1444A}" type="datetimeFigureOut">
               <a:rPr lang="zh-CN" altLang="en-US" smtClean="0"/>
-              <a:t>2023/11/22</a:t>
+              <a:t>2023/11/29</a:t>
             </a:fld>
             <a:endParaRPr lang="zh-CN" altLang="en-US"/>
           </a:p>
@@ -782,7 +782,7 @@
           <a:p>
             <a:fld id="{2017B81C-A91B-4DB4-B663-7B9363F1444A}" type="datetimeFigureOut">
               <a:rPr lang="zh-CN" altLang="en-US" smtClean="0"/>
-              <a:t>2023/11/22</a:t>
+              <a:t>2023/11/29</a:t>
             </a:fld>
             <a:endParaRPr lang="zh-CN" altLang="en-US"/>
           </a:p>
@@ -1028,7 +1028,7 @@
           <a:p>
             <a:fld id="{2017B81C-A91B-4DB4-B663-7B9363F1444A}" type="datetimeFigureOut">
               <a:rPr lang="zh-CN" altLang="en-US" smtClean="0"/>
-              <a:t>2023/11/22</a:t>
+              <a:t>2023/11/29</a:t>
             </a:fld>
             <a:endParaRPr lang="zh-CN" altLang="en-US"/>
           </a:p>
@@ -1260,7 +1260,7 @@
           <a:p>
             <a:fld id="{2017B81C-A91B-4DB4-B663-7B9363F1444A}" type="datetimeFigureOut">
               <a:rPr lang="zh-CN" altLang="en-US" smtClean="0"/>
-              <a:t>2023/11/22</a:t>
+              <a:t>2023/11/29</a:t>
             </a:fld>
             <a:endParaRPr lang="zh-CN" altLang="en-US"/>
           </a:p>
@@ -1627,7 +1627,7 @@
           <a:p>
             <a:fld id="{2017B81C-A91B-4DB4-B663-7B9363F1444A}" type="datetimeFigureOut">
               <a:rPr lang="zh-CN" altLang="en-US" smtClean="0"/>
-              <a:t>2023/11/22</a:t>
+              <a:t>2023/11/29</a:t>
             </a:fld>
             <a:endParaRPr lang="zh-CN" altLang="en-US"/>
           </a:p>
@@ -1745,7 +1745,7 @@
           <a:p>
             <a:fld id="{2017B81C-A91B-4DB4-B663-7B9363F1444A}" type="datetimeFigureOut">
               <a:rPr lang="zh-CN" altLang="en-US" smtClean="0"/>
-              <a:t>2023/11/22</a:t>
+              <a:t>2023/11/29</a:t>
             </a:fld>
             <a:endParaRPr lang="zh-CN" altLang="en-US"/>
           </a:p>
@@ -1840,7 +1840,7 @@
           <a:p>
             <a:fld id="{2017B81C-A91B-4DB4-B663-7B9363F1444A}" type="datetimeFigureOut">
               <a:rPr lang="zh-CN" altLang="en-US" smtClean="0"/>
-              <a:t>2023/11/22</a:t>
+              <a:t>2023/11/29</a:t>
             </a:fld>
             <a:endParaRPr lang="zh-CN" altLang="en-US"/>
           </a:p>
@@ -2117,7 +2117,7 @@
           <a:p>
             <a:fld id="{2017B81C-A91B-4DB4-B663-7B9363F1444A}" type="datetimeFigureOut">
               <a:rPr lang="zh-CN" altLang="en-US" smtClean="0"/>
-              <a:t>2023/11/22</a:t>
+              <a:t>2023/11/29</a:t>
             </a:fld>
             <a:endParaRPr lang="zh-CN" altLang="en-US"/>
           </a:p>
@@ -2374,7 +2374,7 @@
           <a:p>
             <a:fld id="{2017B81C-A91B-4DB4-B663-7B9363F1444A}" type="datetimeFigureOut">
               <a:rPr lang="zh-CN" altLang="en-US" smtClean="0"/>
-              <a:t>2023/11/22</a:t>
+              <a:t>2023/11/29</a:t>
             </a:fld>
             <a:endParaRPr lang="zh-CN" altLang="en-US"/>
           </a:p>
@@ -2587,7 +2587,7 @@
           <a:p>
             <a:fld id="{2017B81C-A91B-4DB4-B663-7B9363F1444A}" type="datetimeFigureOut">
               <a:rPr lang="zh-CN" altLang="en-US" smtClean="0"/>
-              <a:t>2023/11/22</a:t>
+              <a:t>2023/11/29</a:t>
             </a:fld>
             <a:endParaRPr lang="zh-CN" altLang="en-US"/>
           </a:p>
@@ -4540,7 +4540,7 @@
                     <a:latin typeface="微软雅黑" panose="020B0503020204020204" pitchFamily="34" charset="-122"/>
                     <a:ea typeface="微软雅黑" panose="020B0503020204020204" pitchFamily="34" charset="-122"/>
                   </a:rPr>
-                  <a:t>strict</a:t>
+                  <a:t>Strict</a:t>
                 </a:r>
                 <a:endParaRPr lang="zh-CN" altLang="en-US" sz="2000" dirty="0"/>
               </a:p>
@@ -4579,7 +4579,14 @@
                     <a:latin typeface="微软雅黑" panose="020B0503020204020204" pitchFamily="34" charset="-122"/>
                     <a:ea typeface="微软雅黑" panose="020B0503020204020204" pitchFamily="34" charset="-122"/>
                   </a:rPr>
-                  <a:t>best-effort</a:t>
+                  <a:t>B</a:t>
+                </a:r>
+                <a:r>
+                  <a:rPr lang="en-US" altLang="zh-CN" sz="2000">
+                    <a:latin typeface="微软雅黑" panose="020B0503020204020204" pitchFamily="34" charset="-122"/>
+                    <a:ea typeface="微软雅黑" panose="020B0503020204020204" pitchFamily="34" charset="-122"/>
+                  </a:rPr>
+                  <a:t>est-effort</a:t>
                 </a:r>
                 <a:endParaRPr lang="zh-CN" altLang="en-US" sz="2000" dirty="0"/>
               </a:p>
